--- a/data-viz-01/component/tutorial-evaluation.pptx
+++ b/data-viz-01/component/tutorial-evaluation.pptx
@@ -5,7 +5,7 @@
     <p:sldMasterId id="2147483648" r:id="rId1"/>
   </p:sldMasterIdLst>
   <p:notesMasterIdLst>
-    <p:NotesMasterId r:id="rId14"/>
+    <p:NotesMasterId r:id="rId15"/>
   </p:notesMasterIdLst>
   <p:sldIdLst>
     <p:sldId id="256" r:id="rId2"/>
@@ -20,6 +20,7 @@
     <p:sldId id="265" r:id="rId11"/>
     <p:sldId id="266" r:id="rId12"/>
     <p:sldId id="267" r:id="rId13"/>
+    <p:sldId id="268" r:id="rId14"/>
   </p:sldIdLst>
   <p:sldSz cx="9144000" cy="6858000" type="screen4x3"/>
   <p:notesSz cx="6858000" cy="9144000"/>
@@ -2519,6 +2520,708 @@
             <a:fld id="{18BDFEC3-8487-43E8-A154-7C12CBC1FFF2}" type="slidenum">
               <a:rPr lang="en-US"/>
               <a:t>12</a:t>
+            </a:fld>
+            <a:endParaRPr lang="en-US"/>
+          </a:p>
+        </p:txBody>
+      </p:sp>
+    </p:spTree>
+  </p:cSld>
+</p:notes>
+</file>
+
+<file path=ppt/notesSlides/notesSlide12.xml><?xml version="1.0" encoding="utf-8"?>
+<p:notes xmlns:a="http://schemas.openxmlformats.org/drawingml/2006/main" xmlns:r="http://schemas.openxmlformats.org/officeDocument/2006/relationships" xmlns:p="http://schemas.openxmlformats.org/presentationml/2006/main">
+  <p:cSld>
+    <p:spTree>
+      <p:nvGrpSpPr>
+        <p:cNvPr id="1" name=""/>
+        <p:cNvGrpSpPr/>
+        <p:nvPr/>
+      </p:nvGrpSpPr>
+      <p:grpSpPr>
+        <a:xfrm>
+          <a:off x="0" y="0"/>
+          <a:ext cx="0" cy="0"/>
+          <a:chOff x="0" y="0"/>
+          <a:chExt cx="0" cy="0"/>
+        </a:xfrm>
+      </p:grpSpPr>
+      <p:sp>
+        <p:nvSpPr>
+          <p:cNvPr id="2" name="Slide Image Placeholder 1"/>
+          <p:cNvSpPr>
+            <a:spLocks noGrp="1" noRot="1" noChangeAspect="1"/>
+          </p:cNvSpPr>
+          <p:nvPr>
+            <p:ph type="sldImg"/>
+          </p:nvPr>
+        </p:nvSpPr>
+        <p:spPr/>
+      </p:sp>
+      <p:sp>
+        <p:nvSpPr>
+          <p:cNvPr id="3" name="Notes Placeholder 2"/>
+          <p:cNvSpPr>
+            <a:spLocks noGrp="1"/>
+          </p:cNvSpPr>
+          <p:nvPr>
+            <p:ph type="body" idx="1"/>
+          </p:nvPr>
+        </p:nvSpPr>
+        <p:spPr/>
+        <p:txBody>
+          <a:bodyPr/>
+          <a:lstStyle/>
+          <a:p>
+            <a:pPr lvl="0" marL="0" indent="0">
+              <a:buNone/>
+            </a:pPr>
+            <a:r>
+              <a:rPr/>
+              <a:t>The</a:t>
+            </a:r>
+            <a:r>
+              <a:rPr/>
+              <a:t> </a:t>
+            </a:r>
+            <a:r>
+              <a:rPr/>
+              <a:t>way</a:t>
+            </a:r>
+            <a:r>
+              <a:rPr/>
+              <a:t> </a:t>
+            </a:r>
+            <a:r>
+              <a:rPr/>
+              <a:t>that</a:t>
+            </a:r>
+            <a:r>
+              <a:rPr/>
+              <a:t> </a:t>
+            </a:r>
+            <a:r>
+              <a:rPr/>
+              <a:t>you</a:t>
+            </a:r>
+            <a:r>
+              <a:rPr/>
+              <a:t> </a:t>
+            </a:r>
+            <a:r>
+              <a:rPr/>
+              <a:t>judge</a:t>
+            </a:r>
+            <a:r>
+              <a:rPr/>
+              <a:t> </a:t>
+            </a:r>
+            <a:r>
+              <a:rPr/>
+              <a:t>the</a:t>
+            </a:r>
+            <a:r>
+              <a:rPr/>
+              <a:t> </a:t>
+            </a:r>
+            <a:r>
+              <a:rPr/>
+              <a:t>effectiveness</a:t>
+            </a:r>
+            <a:r>
+              <a:rPr/>
+              <a:t> </a:t>
+            </a:r>
+            <a:r>
+              <a:rPr/>
+              <a:t>of</a:t>
+            </a:r>
+            <a:r>
+              <a:rPr/>
+              <a:t> </a:t>
+            </a:r>
+            <a:r>
+              <a:rPr/>
+              <a:t>a</a:t>
+            </a:r>
+            <a:r>
+              <a:rPr/>
+              <a:t> </a:t>
+            </a:r>
+            <a:r>
+              <a:rPr/>
+              <a:t>graph</a:t>
+            </a:r>
+            <a:r>
+              <a:rPr/>
+              <a:t> </a:t>
+            </a:r>
+            <a:r>
+              <a:rPr/>
+              <a:t>is</a:t>
+            </a:r>
+            <a:r>
+              <a:rPr/>
+              <a:t> </a:t>
+            </a:r>
+            <a:r>
+              <a:rPr/>
+              <a:t>by</a:t>
+            </a:r>
+            <a:r>
+              <a:rPr/>
+              <a:t> </a:t>
+            </a:r>
+            <a:r>
+              <a:rPr/>
+              <a:t>speed</a:t>
+            </a:r>
+            <a:r>
+              <a:rPr/>
+              <a:t> </a:t>
+            </a:r>
+            <a:r>
+              <a:rPr/>
+              <a:t>and</a:t>
+            </a:r>
+            <a:r>
+              <a:rPr/>
+              <a:t> </a:t>
+            </a:r>
+            <a:r>
+              <a:rPr/>
+              <a:t>accuracy.</a:t>
+            </a:r>
+            <a:r>
+              <a:rPr/>
+              <a:t> </a:t>
+            </a:r>
+            <a:r>
+              <a:rPr/>
+              <a:t>How</a:t>
+            </a:r>
+            <a:r>
+              <a:rPr/>
+              <a:t> </a:t>
+            </a:r>
+            <a:r>
+              <a:rPr/>
+              <a:t>quickly</a:t>
+            </a:r>
+            <a:r>
+              <a:rPr/>
+              <a:t> </a:t>
+            </a:r>
+            <a:r>
+              <a:rPr/>
+              <a:t>you</a:t>
+            </a:r>
+            <a:r>
+              <a:rPr/>
+              <a:t> </a:t>
+            </a:r>
+            <a:r>
+              <a:rPr/>
+              <a:t>answer</a:t>
+            </a:r>
+            <a:r>
+              <a:rPr/>
+              <a:t> </a:t>
+            </a:r>
+            <a:r>
+              <a:rPr/>
+              <a:t>a</a:t>
+            </a:r>
+            <a:r>
+              <a:rPr/>
+              <a:t> </a:t>
+            </a:r>
+            <a:r>
+              <a:rPr/>
+              <a:t>question</a:t>
+            </a:r>
+            <a:r>
+              <a:rPr/>
+              <a:t> </a:t>
+            </a:r>
+            <a:r>
+              <a:rPr/>
+              <a:t>about</a:t>
+            </a:r>
+            <a:r>
+              <a:rPr/>
+              <a:t> </a:t>
+            </a:r>
+            <a:r>
+              <a:rPr/>
+              <a:t>the</a:t>
+            </a:r>
+            <a:r>
+              <a:rPr/>
+              <a:t> </a:t>
+            </a:r>
+            <a:r>
+              <a:rPr/>
+              <a:t>graph,</a:t>
+            </a:r>
+            <a:r>
+              <a:rPr/>
+              <a:t> </a:t>
+            </a:r>
+            <a:r>
+              <a:rPr/>
+              <a:t>and</a:t>
+            </a:r>
+            <a:r>
+              <a:rPr/>
+              <a:t> </a:t>
+            </a:r>
+            <a:r>
+              <a:rPr/>
+              <a:t>how</a:t>
+            </a:r>
+            <a:r>
+              <a:rPr/>
+              <a:t> </a:t>
+            </a:r>
+            <a:r>
+              <a:rPr/>
+              <a:t>accurate</a:t>
+            </a:r>
+            <a:r>
+              <a:rPr/>
+              <a:t> </a:t>
+            </a:r>
+            <a:r>
+              <a:rPr/>
+              <a:t>your</a:t>
+            </a:r>
+            <a:r>
+              <a:rPr/>
+              <a:t> </a:t>
+            </a:r>
+            <a:r>
+              <a:rPr/>
+              <a:t>answer</a:t>
+            </a:r>
+            <a:r>
+              <a:rPr/>
+              <a:t> </a:t>
+            </a:r>
+            <a:r>
+              <a:rPr/>
+              <a:t>is.</a:t>
+            </a:r>
+          </a:p>
+          <a:p>
+            <a:pPr lvl="0" marL="0" indent="0">
+              <a:buNone/>
+            </a:pPr>
+          </a:p>
+          <a:p>
+            <a:pPr lvl="0" marL="0" indent="0">
+              <a:buNone/>
+            </a:pPr>
+            <a:r>
+              <a:rPr/>
+              <a:t>The</a:t>
+            </a:r>
+            <a:r>
+              <a:rPr/>
+              <a:t> </a:t>
+            </a:r>
+            <a:r>
+              <a:rPr/>
+              <a:t>bar</a:t>
+            </a:r>
+            <a:r>
+              <a:rPr/>
+              <a:t> </a:t>
+            </a:r>
+            <a:r>
+              <a:rPr/>
+              <a:t>chart</a:t>
+            </a:r>
+            <a:r>
+              <a:rPr/>
+              <a:t> </a:t>
+            </a:r>
+            <a:r>
+              <a:rPr/>
+              <a:t>is</a:t>
+            </a:r>
+            <a:r>
+              <a:rPr/>
+              <a:t> </a:t>
+            </a:r>
+            <a:r>
+              <a:rPr/>
+              <a:t>best</a:t>
+            </a:r>
+            <a:r>
+              <a:rPr/>
+              <a:t> </a:t>
+            </a:r>
+            <a:r>
+              <a:rPr/>
+              <a:t>for</a:t>
+            </a:r>
+            <a:r>
+              <a:rPr/>
+              <a:t> </a:t>
+            </a:r>
+            <a:r>
+              <a:rPr/>
+              <a:t>comparing</a:t>
+            </a:r>
+            <a:r>
+              <a:rPr/>
+              <a:t> </a:t>
+            </a:r>
+            <a:r>
+              <a:rPr/>
+              <a:t>one</a:t>
+            </a:r>
+            <a:r>
+              <a:rPr/>
+              <a:t> </a:t>
+            </a:r>
+            <a:r>
+              <a:rPr/>
+              <a:t>bar</a:t>
+            </a:r>
+            <a:r>
+              <a:rPr/>
+              <a:t> </a:t>
+            </a:r>
+            <a:r>
+              <a:rPr/>
+              <a:t>to</a:t>
+            </a:r>
+            <a:r>
+              <a:rPr/>
+              <a:t> </a:t>
+            </a:r>
+            <a:r>
+              <a:rPr/>
+              <a:t>another,</a:t>
+            </a:r>
+            <a:r>
+              <a:rPr/>
+              <a:t> </a:t>
+            </a:r>
+            <a:r>
+              <a:rPr/>
+              <a:t>but</a:t>
+            </a:r>
+            <a:r>
+              <a:rPr/>
+              <a:t> </a:t>
+            </a:r>
+            <a:r>
+              <a:rPr/>
+              <a:t>if</a:t>
+            </a:r>
+            <a:r>
+              <a:rPr/>
+              <a:t> </a:t>
+            </a:r>
+            <a:r>
+              <a:rPr/>
+              <a:t>you</a:t>
+            </a:r>
+            <a:r>
+              <a:rPr/>
+              <a:t> </a:t>
+            </a:r>
+            <a:r>
+              <a:rPr/>
+              <a:t>want</a:t>
+            </a:r>
+            <a:r>
+              <a:rPr/>
+              <a:t> </a:t>
+            </a:r>
+            <a:r>
+              <a:rPr/>
+              <a:t>to</a:t>
+            </a:r>
+            <a:r>
+              <a:rPr/>
+              <a:t> </a:t>
+            </a:r>
+            <a:r>
+              <a:rPr/>
+              <a:t>estimate</a:t>
+            </a:r>
+            <a:r>
+              <a:rPr/>
+              <a:t> </a:t>
+            </a:r>
+            <a:r>
+              <a:rPr/>
+              <a:t>the</a:t>
+            </a:r>
+            <a:r>
+              <a:rPr/>
+              <a:t> </a:t>
+            </a:r>
+            <a:r>
+              <a:rPr/>
+              <a:t>percentage</a:t>
+            </a:r>
+            <a:r>
+              <a:rPr/>
+              <a:t> </a:t>
+            </a:r>
+            <a:r>
+              <a:rPr/>
+              <a:t>of</a:t>
+            </a:r>
+            <a:r>
+              <a:rPr/>
+              <a:t> </a:t>
+            </a:r>
+            <a:r>
+              <a:rPr/>
+              <a:t>a</a:t>
+            </a:r>
+            <a:r>
+              <a:rPr/>
+              <a:t> </a:t>
+            </a:r>
+            <a:r>
+              <a:rPr/>
+              <a:t>whole,</a:t>
+            </a:r>
+            <a:r>
+              <a:rPr/>
+              <a:t> </a:t>
+            </a:r>
+            <a:r>
+              <a:rPr/>
+              <a:t>then</a:t>
+            </a:r>
+            <a:r>
+              <a:rPr/>
+              <a:t> </a:t>
+            </a:r>
+            <a:r>
+              <a:rPr/>
+              <a:t>a</a:t>
+            </a:r>
+            <a:r>
+              <a:rPr/>
+              <a:t> </a:t>
+            </a:r>
+            <a:r>
+              <a:rPr/>
+              <a:t>pie</a:t>
+            </a:r>
+            <a:r>
+              <a:rPr/>
+              <a:t> </a:t>
+            </a:r>
+            <a:r>
+              <a:rPr/>
+              <a:t>chart</a:t>
+            </a:r>
+            <a:r>
+              <a:rPr/>
+              <a:t> </a:t>
+            </a:r>
+            <a:r>
+              <a:rPr/>
+              <a:t>is</a:t>
+            </a:r>
+            <a:r>
+              <a:rPr/>
+              <a:t> </a:t>
+            </a:r>
+            <a:r>
+              <a:rPr/>
+              <a:t>better,</a:t>
+            </a:r>
+            <a:r>
+              <a:rPr/>
+              <a:t> </a:t>
+            </a:r>
+            <a:r>
+              <a:rPr/>
+              <a:t>particularly</a:t>
+            </a:r>
+            <a:r>
+              <a:rPr/>
+              <a:t> </a:t>
+            </a:r>
+            <a:r>
+              <a:rPr/>
+              <a:t>for</a:t>
+            </a:r>
+            <a:r>
+              <a:rPr/>
+              <a:t> </a:t>
+            </a:r>
+            <a:r>
+              <a:rPr/>
+              <a:t>percentages</a:t>
+            </a:r>
+            <a:r>
+              <a:rPr/>
+              <a:t> </a:t>
+            </a:r>
+            <a:r>
+              <a:rPr/>
+              <a:t>around</a:t>
+            </a:r>
+            <a:r>
+              <a:rPr/>
+              <a:t> </a:t>
+            </a:r>
+            <a:r>
+              <a:rPr/>
+              <a:t>25%</a:t>
+            </a:r>
+            <a:r>
+              <a:rPr/>
+              <a:t> </a:t>
+            </a:r>
+            <a:r>
+              <a:rPr/>
+              <a:t>and</a:t>
+            </a:r>
+            <a:r>
+              <a:rPr/>
+              <a:t> </a:t>
+            </a:r>
+            <a:r>
+              <a:rPr/>
+              <a:t>75%.</a:t>
+            </a:r>
+          </a:p>
+          <a:p>
+            <a:pPr lvl="0" marL="0" indent="0">
+              <a:buNone/>
+            </a:pPr>
+          </a:p>
+          <a:p>
+            <a:pPr lvl="0" marL="0" indent="0">
+              <a:buNone/>
+            </a:pPr>
+            <a:r>
+              <a:rPr/>
+              <a:t>Even</a:t>
+            </a:r>
+            <a:r>
+              <a:rPr/>
+              <a:t> </a:t>
+            </a:r>
+            <a:r>
+              <a:rPr/>
+              <a:t>a</a:t>
+            </a:r>
+            <a:r>
+              <a:rPr/>
+              <a:t> </a:t>
+            </a:r>
+            <a:r>
+              <a:rPr/>
+              <a:t>bad</a:t>
+            </a:r>
+            <a:r>
+              <a:rPr/>
+              <a:t> </a:t>
+            </a:r>
+            <a:r>
+              <a:rPr/>
+              <a:t>graph</a:t>
+            </a:r>
+            <a:r>
+              <a:rPr/>
+              <a:t> </a:t>
+            </a:r>
+            <a:r>
+              <a:rPr/>
+              <a:t>can</a:t>
+            </a:r>
+            <a:r>
+              <a:rPr/>
+              <a:t> </a:t>
+            </a:r>
+            <a:r>
+              <a:rPr/>
+              <a:t>often</a:t>
+            </a:r>
+            <a:r>
+              <a:rPr/>
+              <a:t> </a:t>
+            </a:r>
+            <a:r>
+              <a:rPr/>
+              <a:t>be</a:t>
+            </a:r>
+            <a:r>
+              <a:rPr/>
+              <a:t> </a:t>
+            </a:r>
+            <a:r>
+              <a:rPr/>
+              <a:t>improved</a:t>
+            </a:r>
+            <a:r>
+              <a:rPr/>
+              <a:t> </a:t>
+            </a:r>
+            <a:r>
+              <a:rPr/>
+              <a:t>with</a:t>
+            </a:r>
+            <a:r>
+              <a:rPr/>
+              <a:t> </a:t>
+            </a:r>
+            <a:r>
+              <a:rPr/>
+              <a:t>some</a:t>
+            </a:r>
+            <a:r>
+              <a:rPr/>
+              <a:t> </a:t>
+            </a:r>
+            <a:r>
+              <a:rPr/>
+              <a:t>minor</a:t>
+            </a:r>
+            <a:r>
+              <a:rPr/>
+              <a:t> </a:t>
+            </a:r>
+            <a:r>
+              <a:rPr/>
+              <a:t>changes.</a:t>
+            </a:r>
+          </a:p>
+        </p:txBody>
+      </p:sp>
+      <p:sp>
+        <p:nvSpPr>
+          <p:cNvPr id="4" name="Slide Number Placeholder 3"/>
+          <p:cNvSpPr>
+            <a:spLocks noGrp="1"/>
+          </p:cNvSpPr>
+          <p:nvPr>
+            <p:ph type="sldNum" sz="quarter" idx="10"/>
+          </p:nvPr>
+        </p:nvSpPr>
+        <p:spPr/>
+        <p:txBody>
+          <a:bodyPr/>
+          <a:lstStyle/>
+          <a:p>
+            <a:fld id="{18BDFEC3-8487-43E8-A154-7C12CBC1FFF2}" type="slidenum">
+              <a:rPr lang="en-US"/>
+              <a:t>13</a:t>
             </a:fld>
             <a:endParaRPr lang="en-US"/>
           </a:p>
@@ -9682,14 +10385,6 @@
             </a:pPr>
             <a:r>
               <a:rPr/>
-              <a:t>Data-viz-01,</a:t>
-            </a:r>
-            <a:r>
-              <a:rPr/>
-              <a:t> </a:t>
-            </a:r>
-            <a:r>
-              <a:rPr/>
               <a:t>Tutorial,</a:t>
             </a:r>
             <a:r>
@@ -9747,6 +10442,39 @@
             <a:r>
               <a:rPr/>
               <a:t>Simon</a:t>
+            </a:r>
+          </a:p>
+        </p:txBody>
+      </p:sp>
+      <p:sp>
+        <p:nvSpPr>
+          <p:cNvPr id="4" name="Date Placeholder 3"/>
+          <p:cNvSpPr>
+            <a:spLocks noGrp="1"/>
+          </p:cNvSpPr>
+          <p:nvPr>
+            <p:ph type="dt" sz="half" idx="10"/>
+          </p:nvPr>
+        </p:nvSpPr>
+        <p:spPr/>
+        <p:txBody>
+          <a:bodyPr/>
+          <a:lstStyle/>
+          <a:p>
+            <a:pPr lvl="0" marL="0" indent="0">
+              <a:buNone/>
+            </a:pPr>
+            <a:r>
+              <a:rPr/>
+              <a:t>Created</a:t>
+            </a:r>
+            <a:r>
+              <a:rPr/>
+              <a:t> </a:t>
+            </a:r>
+            <a:r>
+              <a:rPr/>
+              <a:t>2019-08-22</a:t>
             </a:r>
           </a:p>
         </p:txBody>
@@ -9801,39 +10529,7 @@
             </a:r>
             <a:r>
               <a:rPr/>
-              <a:t>For</a:t>
-            </a:r>
-            <a:r>
-              <a:rPr/>
-              <a:t> </a:t>
-            </a:r>
-            <a:r>
-              <a:rPr/>
-              <a:t>a</a:t>
-            </a:r>
-            <a:r>
-              <a:rPr/>
-              <a:t> </a:t>
-            </a:r>
-            <a:r>
-              <a:rPr/>
-              <a:t>percentage</a:t>
-            </a:r>
-            <a:r>
-              <a:rPr/>
-              <a:t> </a:t>
-            </a:r>
-            <a:r>
-              <a:rPr/>
-              <a:t>question,</a:t>
-            </a:r>
-            <a:r>
-              <a:rPr/>
-              <a:t> </a:t>
-            </a:r>
-            <a:r>
-              <a:rPr/>
-              <a:t>the</a:t>
+              <a:t>The</a:t>
             </a:r>
             <a:r>
               <a:rPr/>
@@ -9888,7 +10584,7 @@
       </p:sp>
       <p:pic>
         <p:nvPicPr>
-          <p:cNvPr descr="../images\r\bar-chart-5.png" id="0" name="Picture 1"/>
+          <p:cNvPr descr="../images/r/bar-chart-5.png" id="0" name="Picture 1"/>
           <p:cNvPicPr>
             <a:picLocks noGrp="1" noChangeAspect="1"/>
           </p:cNvPicPr>
@@ -10068,38 +10764,14 @@
             </a:r>
             <a:r>
               <a:rPr/>
-              <a:t>hopeless</a:t>
-            </a:r>
-            <a:r>
-              <a:rPr/>
-              <a:t> </a:t>
-            </a:r>
-            <a:r>
-              <a:rPr/>
-              <a:t>for</a:t>
-            </a:r>
-            <a:r>
-              <a:rPr/>
-              <a:t> </a:t>
-            </a:r>
-            <a:r>
-              <a:rPr/>
-              <a:t>percentage</a:t>
-            </a:r>
-            <a:r>
-              <a:rPr/>
-              <a:t> </a:t>
-            </a:r>
-            <a:r>
-              <a:rPr/>
-              <a:t>questions.</a:t>
+              <a:t>hopeless.</a:t>
             </a:r>
           </a:p>
         </p:txBody>
       </p:sp>
       <p:pic>
         <p:nvPicPr>
-          <p:cNvPr descr="../images\r\bar-chart-6.png" id="0" name="Picture 1"/>
+          <p:cNvPr descr="../images/r/bar-chart-6.png" id="0" name="Picture 1"/>
           <p:cNvPicPr>
             <a:picLocks noGrp="1" noChangeAspect="1"/>
           </p:cNvPicPr>
@@ -10310,7 +10982,7 @@
       </p:sp>
       <p:pic>
         <p:nvPicPr>
-          <p:cNvPr descr="../images\r\bar-chart-7.png" id="0" name="Picture 1"/>
+          <p:cNvPr descr="../images/r/bar-chart-7.png" id="0" name="Picture 1"/>
           <p:cNvPicPr>
             <a:picLocks noGrp="1" noChangeAspect="1"/>
           </p:cNvPicPr>
@@ -10469,6 +11141,112 @@
 </p:sld>
 </file>
 
+<file path=ppt/slides/slide13.xml><?xml version="1.0" encoding="utf-8"?>
+<p:sld xmlns:a="http://schemas.openxmlformats.org/drawingml/2006/main" xmlns:r="http://schemas.openxmlformats.org/officeDocument/2006/relationships" xmlns:p="http://schemas.openxmlformats.org/presentationml/2006/main">
+  <p:cSld>
+    <p:spTree>
+      <p:nvGrpSpPr>
+        <p:cNvPr id="1" name=""/>
+        <p:cNvGrpSpPr/>
+        <p:nvPr/>
+      </p:nvGrpSpPr>
+      <p:grpSpPr>
+        <a:xfrm>
+          <a:off x="0" y="0"/>
+          <a:ext cx="0" cy="0"/>
+          <a:chOff x="0" y="0"/>
+          <a:chExt cx="0" cy="0"/>
+        </a:xfrm>
+      </p:grpSpPr>
+      <p:sp>
+        <p:nvSpPr>
+          <p:cNvPr id="2" name="Title 1"/>
+          <p:cNvSpPr>
+            <a:spLocks noGrp="1"/>
+          </p:cNvSpPr>
+          <p:nvPr>
+            <p:ph type="title"/>
+          </p:nvPr>
+        </p:nvSpPr>
+        <p:spPr/>
+        <p:txBody>
+          <a:bodyPr/>
+          <a:lstStyle/>
+          <a:p>
+            <a:pPr lvl="0" marL="0" indent="0">
+              <a:buNone/>
+            </a:pPr>
+            <a:r>
+              <a:rPr/>
+              <a:t>Evaluation,</a:t>
+            </a:r>
+            <a:r>
+              <a:rPr/>
+              <a:t> </a:t>
+            </a:r>
+            <a:r>
+              <a:rPr/>
+              <a:t>Summary</a:t>
+            </a:r>
+          </a:p>
+        </p:txBody>
+      </p:sp>
+      <p:sp>
+        <p:nvSpPr>
+          <p:cNvPr id="3" name="Content Placeholder 2"/>
+          <p:cNvSpPr>
+            <a:spLocks noGrp="1"/>
+          </p:cNvSpPr>
+          <p:nvPr>
+            <p:ph idx="1"/>
+          </p:nvPr>
+        </p:nvSpPr>
+        <p:spPr/>
+        <p:txBody>
+          <a:bodyPr/>
+          <a:lstStyle/>
+          <a:p>
+            <a:pPr lvl="1"/>
+            <a:r>
+              <a:rPr/>
+              <a:t>Judging effectiveness of a graph</a:t>
+            </a:r>
+          </a:p>
+          <a:p>
+            <a:pPr lvl="2"/>
+            <a:r>
+              <a:rPr/>
+              <a:t>Speed</a:t>
+            </a:r>
+          </a:p>
+          <a:p>
+            <a:pPr lvl="2"/>
+            <a:r>
+              <a:rPr/>
+              <a:t>Accuracy</a:t>
+            </a:r>
+          </a:p>
+          <a:p>
+            <a:pPr lvl="1"/>
+            <a:r>
+              <a:rPr/>
+              <a:t>Pie chart better for estimating percentages</a:t>
+            </a:r>
+          </a:p>
+          <a:p>
+            <a:pPr lvl="1"/>
+            <a:r>
+              <a:rPr/>
+              <a:t>Any graph can be improved</a:t>
+            </a:r>
+          </a:p>
+        </p:txBody>
+      </p:sp>
+    </p:spTree>
+  </p:cSld>
+</p:sld>
+</file>
+
 <file path=ppt/slides/slide2.xml><?xml version="1.0" encoding="utf-8"?>
 <p:sld xmlns:a="http://schemas.openxmlformats.org/drawingml/2006/main" xmlns:r="http://schemas.openxmlformats.org/officeDocument/2006/relationships" xmlns:p="http://schemas.openxmlformats.org/presentationml/2006/main">
   <p:cSld>
@@ -10561,7 +11339,7 @@
       </p:sp>
       <p:pic>
         <p:nvPicPr>
-          <p:cNvPr descr="../images\r\bar-chart-1.png" id="0" name="Picture 1"/>
+          <p:cNvPr descr="../images/r/bar-chart-1.png" id="0" name="Picture 1"/>
           <p:cNvPicPr>
             <a:picLocks noGrp="1" noChangeAspect="1"/>
           </p:cNvPicPr>
@@ -10772,7 +11550,124 @@
       </p:sp>
       <p:pic>
         <p:nvPicPr>
-          <p:cNvPr descr="../images\r\bar-chart-2.png" id="0" name="Picture 1"/>
+          <p:cNvPr descr="../images/r/bar-chart-2.png" id="0" name="Picture 1"/>
+          <p:cNvPicPr>
+            <a:picLocks noGrp="1" noChangeAspect="1"/>
+          </p:cNvPicPr>
+          <p:nvPr/>
+        </p:nvPicPr>
+        <p:blipFill>
+          <a:blip r:embed="rId3"/>
+          <a:stretch>
+            <a:fillRect/>
+          </a:stretch>
+        </p:blipFill>
+        <p:spPr bwMode="auto">
+          <a:xfrm>
+            <a:off x="2311400" y="1600200"/>
+            <a:ext cx="4521200" cy="4521200"/>
+          </a:xfrm>
+          <a:prstGeom prst="rect">
+            <a:avLst/>
+          </a:prstGeom>
+          <a:noFill/>
+          <a:ln w="9525">
+            <a:noFill/>
+            <a:headEnd/>
+            <a:tailEnd/>
+          </a:ln>
+        </p:spPr>
+      </p:pic>
+    </p:spTree>
+  </p:cSld>
+</p:sld>
+</file>
+
+<file path=ppt/slides/slide4.xml><?xml version="1.0" encoding="utf-8"?>
+<p:sld xmlns:a="http://schemas.openxmlformats.org/drawingml/2006/main" xmlns:r="http://schemas.openxmlformats.org/officeDocument/2006/relationships" xmlns:p="http://schemas.openxmlformats.org/presentationml/2006/main">
+  <p:cSld>
+    <p:spTree>
+      <p:nvGrpSpPr>
+        <p:cNvPr id="1" name=""/>
+        <p:cNvGrpSpPr/>
+        <p:nvPr/>
+      </p:nvGrpSpPr>
+      <p:grpSpPr>
+        <a:xfrm>
+          <a:off x="0" y="0"/>
+          <a:ext cx="0" cy="0"/>
+          <a:chOff x="0" y="0"/>
+          <a:chExt cx="0" cy="0"/>
+        </a:xfrm>
+      </p:grpSpPr>
+      <p:sp>
+        <p:nvSpPr>
+          <p:cNvPr id="2" name="Title 1"/>
+          <p:cNvSpPr>
+            <a:spLocks noGrp="1"/>
+          </p:cNvSpPr>
+          <p:nvPr>
+            <p:ph type="title"/>
+          </p:nvPr>
+        </p:nvSpPr>
+        <p:spPr/>
+        <p:txBody>
+          <a:bodyPr/>
+          <a:lstStyle/>
+          <a:p>
+            <a:pPr lvl="0" marL="0" indent="0">
+              <a:buNone/>
+            </a:pPr>
+            <a:r>
+              <a:rPr/>
+              <a:t>Evaluation,</a:t>
+            </a:r>
+            <a:r>
+              <a:rPr/>
+              <a:t> </a:t>
+            </a:r>
+            <a:r>
+              <a:rPr/>
+              <a:t>…</a:t>
+            </a:r>
+            <a:r>
+              <a:rPr/>
+              <a:t> </a:t>
+            </a:r>
+            <a:r>
+              <a:rPr/>
+              <a:t>or</a:t>
+            </a:r>
+            <a:r>
+              <a:rPr/>
+              <a:t> </a:t>
+            </a:r>
+            <a:r>
+              <a:rPr/>
+              <a:t>a</a:t>
+            </a:r>
+            <a:r>
+              <a:rPr/>
+              <a:t> </a:t>
+            </a:r>
+            <a:r>
+              <a:rPr/>
+              <a:t>pie</a:t>
+            </a:r>
+            <a:r>
+              <a:rPr/>
+              <a:t> </a:t>
+            </a:r>
+            <a:r>
+              <a:rPr/>
+              <a:t>chart</a:t>
+            </a:r>
+          </a:p>
+        </p:txBody>
+      </p:sp>
+      <p:pic>
+        <p:nvPicPr>
+          <p:cNvPr descr="../images/r/pie-chart-1.png" id="0" name="Picture 1"/>
           <p:cNvPicPr>
             <a:picLocks noGrp="1" noChangeAspect="1"/>
           </p:cNvPicPr>
@@ -10825,71 +11720,15 @@
             </a:pPr>
             <a:r>
               <a:rPr/>
-              <a:t>Bar</a:t>
-            </a:r>
-            <a:r>
-              <a:rPr/>
-              <a:t> </a:t>
-            </a:r>
-            <a:r>
-              <a:rPr/>
-              <a:t>chart,</a:t>
-            </a:r>
-            <a:r>
-              <a:rPr/>
-              <a:t> </a:t>
-            </a:r>
-            <a:r>
-              <a:rPr/>
-              <a:t>four</a:t>
-            </a:r>
-            <a:r>
-              <a:rPr/>
-              <a:t> </a:t>
-            </a:r>
-            <a:r>
-              <a:rPr/>
-              <a:t>bars</a:t>
-            </a:r>
-            <a:r>
-              <a:rPr/>
-              <a:t> </a:t>
-            </a:r>
-            <a:r>
-              <a:rPr/>
-              <a:t>stacked</a:t>
-            </a:r>
-            <a:r>
-              <a:rPr/>
-              <a:t> </a:t>
-            </a:r>
-            <a:r>
-              <a:rPr/>
-              <a:t>in</a:t>
-            </a:r>
-            <a:r>
-              <a:rPr/>
-              <a:t> </a:t>
-            </a:r>
-            <a:r>
-              <a:rPr/>
-              <a:t>a</a:t>
-            </a:r>
-            <a:r>
-              <a:rPr/>
-              <a:t> </a:t>
-            </a:r>
-            <a:r>
-              <a:rPr/>
-              <a:t>single</a:t>
-            </a:r>
-            <a:r>
-              <a:rPr/>
-              <a:t> </a:t>
-            </a:r>
-            <a:r>
-              <a:rPr/>
-              <a:t>column</a:t>
+              <a:t>Pie</a:t>
+            </a:r>
+            <a:r>
+              <a:rPr/>
+              <a:t> </a:t>
+            </a:r>
+            <a:r>
+              <a:rPr/>
+              <a:t>chart</a:t>
             </a:r>
           </a:p>
         </p:txBody>
@@ -10899,7 +11738,7 @@
 </p:sld>
 </file>
 
-<file path=ppt/slides/slide4.xml><?xml version="1.0" encoding="utf-8"?>
+<file path=ppt/slides/slide5.xml><?xml version="1.0" encoding="utf-8"?>
 <p:sld xmlns:a="http://schemas.openxmlformats.org/drawingml/2006/main" xmlns:r="http://schemas.openxmlformats.org/officeDocument/2006/relationships" xmlns:p="http://schemas.openxmlformats.org/presentationml/2006/main">
   <p:cSld>
     <p:spTree>
@@ -10944,31 +11783,155 @@
             </a:r>
             <a:r>
               <a:rPr/>
-              <a:t>…</a:t>
-            </a:r>
-            <a:r>
-              <a:rPr/>
-              <a:t> </a:t>
-            </a:r>
-            <a:r>
-              <a:rPr/>
-              <a:t>or</a:t>
-            </a:r>
-            <a:r>
-              <a:rPr/>
-              <a:t> </a:t>
-            </a:r>
-            <a:r>
-              <a:rPr/>
-              <a:t>a</a:t>
-            </a:r>
-            <a:r>
-              <a:rPr/>
-              <a:t> </a:t>
-            </a:r>
-            <a:r>
-              <a:rPr/>
-              <a:t>pie</a:t>
+              <a:t>Better</a:t>
+            </a:r>
+            <a:r>
+              <a:rPr/>
+              <a:t> </a:t>
+            </a:r>
+            <a:r>
+              <a:rPr/>
+              <a:t>in</a:t>
+            </a:r>
+            <a:r>
+              <a:rPr/>
+              <a:t> </a:t>
+            </a:r>
+            <a:r>
+              <a:rPr/>
+              <a:t>what</a:t>
+            </a:r>
+            <a:r>
+              <a:rPr/>
+              <a:t> </a:t>
+            </a:r>
+            <a:r>
+              <a:rPr/>
+              <a:t>way?</a:t>
+            </a:r>
+          </a:p>
+        </p:txBody>
+      </p:sp>
+      <p:sp>
+        <p:nvSpPr>
+          <p:cNvPr id="3" name="Content Placeholder 2"/>
+          <p:cNvSpPr>
+            <a:spLocks noGrp="1"/>
+          </p:cNvSpPr>
+          <p:nvPr>
+            <p:ph idx="1"/>
+          </p:nvPr>
+        </p:nvSpPr>
+        <p:spPr/>
+        <p:txBody>
+          <a:bodyPr/>
+          <a:lstStyle/>
+          <a:p>
+            <a:pPr lvl="1"/>
+            <a:r>
+              <a:rPr/>
+              <a:t>Two most important criteria</a:t>
+            </a:r>
+          </a:p>
+          <a:p>
+            <a:pPr lvl="2"/>
+            <a:r>
+              <a:rPr/>
+              <a:t>Speed</a:t>
+            </a:r>
+          </a:p>
+          <a:p>
+            <a:pPr lvl="2"/>
+            <a:r>
+              <a:rPr/>
+              <a:t>Accuracy</a:t>
+            </a:r>
+          </a:p>
+        </p:txBody>
+      </p:sp>
+    </p:spTree>
+  </p:cSld>
+</p:sld>
+</file>
+
+<file path=ppt/slides/slide6.xml><?xml version="1.0" encoding="utf-8"?>
+<p:sld xmlns:a="http://schemas.openxmlformats.org/drawingml/2006/main" xmlns:r="http://schemas.openxmlformats.org/officeDocument/2006/relationships" xmlns:p="http://schemas.openxmlformats.org/presentationml/2006/main">
+  <p:cSld>
+    <p:spTree>
+      <p:nvGrpSpPr>
+        <p:cNvPr id="1" name=""/>
+        <p:cNvGrpSpPr/>
+        <p:nvPr/>
+      </p:nvGrpSpPr>
+      <p:grpSpPr>
+        <a:xfrm>
+          <a:off x="0" y="0"/>
+          <a:ext cx="0" cy="0"/>
+          <a:chOff x="0" y="0"/>
+          <a:chExt cx="0" cy="0"/>
+        </a:xfrm>
+      </p:grpSpPr>
+      <p:sp>
+        <p:nvSpPr>
+          <p:cNvPr id="2" name="Title 1"/>
+          <p:cNvSpPr>
+            <a:spLocks noGrp="1"/>
+          </p:cNvSpPr>
+          <p:nvPr>
+            <p:ph type="title"/>
+          </p:nvPr>
+        </p:nvSpPr>
+        <p:spPr/>
+        <p:txBody>
+          <a:bodyPr/>
+          <a:lstStyle/>
+          <a:p>
+            <a:pPr lvl="0" marL="0" indent="0">
+              <a:buNone/>
+            </a:pPr>
+            <a:r>
+              <a:rPr/>
+              <a:t>Evaluation,</a:t>
+            </a:r>
+            <a:r>
+              <a:rPr/>
+              <a:t> </a:t>
+            </a:r>
+            <a:r>
+              <a:rPr/>
+              <a:t>Which</a:t>
+            </a:r>
+            <a:r>
+              <a:rPr/>
+              <a:t> </a:t>
+            </a:r>
+            <a:r>
+              <a:rPr/>
+              <a:t>percentage</a:t>
+            </a:r>
+            <a:r>
+              <a:rPr/>
+              <a:t> </a:t>
+            </a:r>
+            <a:r>
+              <a:rPr/>
+              <a:t>is</a:t>
+            </a:r>
+            <a:r>
+              <a:rPr/>
+              <a:t> </a:t>
+            </a:r>
+            <a:r>
+              <a:rPr/>
+              <a:t>larger?</a:t>
+            </a:r>
+            <a:r>
+              <a:rPr/>
+              <a:t> </a:t>
+            </a:r>
+            <a:r>
+              <a:rPr/>
+              <a:t>Bar</a:t>
             </a:r>
             <a:r>
               <a:rPr/>
@@ -10977,13 +11940,29 @@
             <a:r>
               <a:rPr/>
               <a:t>chart</a:t>
+            </a:r>
+            <a:r>
+              <a:rPr/>
+              <a:t> </a:t>
+            </a:r>
+            <a:r>
+              <a:rPr/>
+              <a:t>is</a:t>
+            </a:r>
+            <a:r>
+              <a:rPr/>
+              <a:t> </a:t>
+            </a:r>
+            <a:r>
+              <a:rPr/>
+              <a:t>best!</a:t>
             </a:r>
           </a:p>
         </p:txBody>
       </p:sp>
       <p:pic>
         <p:nvPicPr>
-          <p:cNvPr descr="../images\r\pie-chart-1.png" id="0" name="Picture 1"/>
+          <p:cNvPr descr="../images/r/bar-chart-3.png" id="0" name="Picture 1"/>
           <p:cNvPicPr>
             <a:picLocks noGrp="1" noChangeAspect="1"/>
           </p:cNvPicPr>
@@ -11036,15 +12015,55 @@
             </a:pPr>
             <a:r>
               <a:rPr/>
-              <a:t>Pie</a:t>
-            </a:r>
-            <a:r>
-              <a:rPr/>
-              <a:t> </a:t>
-            </a:r>
-            <a:r>
-              <a:rPr/>
-              <a:t>chart</a:t>
+              <a:t>Bar</a:t>
+            </a:r>
+            <a:r>
+              <a:rPr/>
+              <a:t> </a:t>
+            </a:r>
+            <a:r>
+              <a:rPr/>
+              <a:t>chart,</a:t>
+            </a:r>
+            <a:r>
+              <a:rPr/>
+              <a:t> </a:t>
+            </a:r>
+            <a:r>
+              <a:rPr/>
+              <a:t>projecting</a:t>
+            </a:r>
+            <a:r>
+              <a:rPr/>
+              <a:t> </a:t>
+            </a:r>
+            <a:r>
+              <a:rPr/>
+              <a:t>one</a:t>
+            </a:r>
+            <a:r>
+              <a:rPr/>
+              <a:t> </a:t>
+            </a:r>
+            <a:r>
+              <a:rPr/>
+              <a:t>bar</a:t>
+            </a:r>
+            <a:r>
+              <a:rPr/>
+              <a:t> </a:t>
+            </a:r>
+            <a:r>
+              <a:rPr/>
+              <a:t>to</a:t>
+            </a:r>
+            <a:r>
+              <a:rPr/>
+              <a:t> </a:t>
+            </a:r>
+            <a:r>
+              <a:rPr/>
+              <a:t>another</a:t>
             </a:r>
           </a:p>
         </p:txBody>
@@ -11054,7 +12073,7 @@
 </p:sld>
 </file>
 
-<file path=ppt/slides/slide5.xml><?xml version="1.0" encoding="utf-8"?>
+<file path=ppt/slides/slide7.xml><?xml version="1.0" encoding="utf-8"?>
 <p:sld xmlns:a="http://schemas.openxmlformats.org/drawingml/2006/main" xmlns:r="http://schemas.openxmlformats.org/officeDocument/2006/relationships" xmlns:p="http://schemas.openxmlformats.org/presentationml/2006/main">
   <p:cSld>
     <p:spTree>
@@ -11099,155 +12118,31 @@
             </a:r>
             <a:r>
               <a:rPr/>
-              <a:t>Better</a:t>
-            </a:r>
-            <a:r>
-              <a:rPr/>
-              <a:t> </a:t>
-            </a:r>
-            <a:r>
-              <a:rPr/>
-              <a:t>in</a:t>
-            </a:r>
-            <a:r>
-              <a:rPr/>
-              <a:t> </a:t>
-            </a:r>
-            <a:r>
-              <a:rPr/>
-              <a:t>what</a:t>
-            </a:r>
-            <a:r>
-              <a:rPr/>
-              <a:t> </a:t>
-            </a:r>
-            <a:r>
-              <a:rPr/>
-              <a:t>way?</a:t>
-            </a:r>
-          </a:p>
-        </p:txBody>
-      </p:sp>
-      <p:sp>
-        <p:nvSpPr>
-          <p:cNvPr id="3" name="Content Placeholder 2"/>
-          <p:cNvSpPr>
-            <a:spLocks noGrp="1"/>
-          </p:cNvSpPr>
-          <p:nvPr>
-            <p:ph idx="1"/>
-          </p:nvPr>
-        </p:nvSpPr>
-        <p:spPr/>
-        <p:txBody>
-          <a:bodyPr/>
-          <a:lstStyle/>
-          <a:p>
-            <a:pPr lvl="1"/>
-            <a:r>
-              <a:rPr/>
-              <a:t>Two most important criteria</a:t>
-            </a:r>
-          </a:p>
-          <a:p>
-            <a:pPr lvl="2"/>
-            <a:r>
-              <a:rPr/>
-              <a:t>Speed</a:t>
-            </a:r>
-          </a:p>
-          <a:p>
-            <a:pPr lvl="2"/>
-            <a:r>
-              <a:rPr/>
-              <a:t>Accuracy</a:t>
-            </a:r>
-          </a:p>
-        </p:txBody>
-      </p:sp>
-    </p:spTree>
-  </p:cSld>
-</p:sld>
-</file>
-
-<file path=ppt/slides/slide6.xml><?xml version="1.0" encoding="utf-8"?>
-<p:sld xmlns:a="http://schemas.openxmlformats.org/drawingml/2006/main" xmlns:r="http://schemas.openxmlformats.org/officeDocument/2006/relationships" xmlns:p="http://schemas.openxmlformats.org/presentationml/2006/main">
-  <p:cSld>
-    <p:spTree>
-      <p:nvGrpSpPr>
-        <p:cNvPr id="1" name=""/>
-        <p:cNvGrpSpPr/>
-        <p:nvPr/>
-      </p:nvGrpSpPr>
-      <p:grpSpPr>
-        <a:xfrm>
-          <a:off x="0" y="0"/>
-          <a:ext cx="0" cy="0"/>
-          <a:chOff x="0" y="0"/>
-          <a:chExt cx="0" cy="0"/>
-        </a:xfrm>
-      </p:grpSpPr>
-      <p:sp>
-        <p:nvSpPr>
-          <p:cNvPr id="2" name="Title 1"/>
-          <p:cNvSpPr>
-            <a:spLocks noGrp="1"/>
-          </p:cNvSpPr>
-          <p:nvPr>
-            <p:ph type="title"/>
-          </p:nvPr>
-        </p:nvSpPr>
-        <p:spPr/>
-        <p:txBody>
-          <a:bodyPr/>
-          <a:lstStyle/>
-          <a:p>
-            <a:pPr lvl="0" marL="0" indent="0">
-              <a:buNone/>
-            </a:pPr>
-            <a:r>
-              <a:rPr/>
-              <a:t>Evaluation,</a:t>
-            </a:r>
-            <a:r>
-              <a:rPr/>
-              <a:t> </a:t>
-            </a:r>
-            <a:r>
-              <a:rPr/>
-              <a:t>Which</a:t>
-            </a:r>
-            <a:r>
-              <a:rPr/>
-              <a:t> </a:t>
-            </a:r>
-            <a:r>
-              <a:rPr/>
-              <a:t>percentage</a:t>
-            </a:r>
-            <a:r>
-              <a:rPr/>
-              <a:t> </a:t>
-            </a:r>
-            <a:r>
-              <a:rPr/>
-              <a:t>is</a:t>
-            </a:r>
-            <a:r>
-              <a:rPr/>
-              <a:t> </a:t>
-            </a:r>
-            <a:r>
-              <a:rPr/>
-              <a:t>larger?</a:t>
-            </a:r>
-            <a:r>
-              <a:rPr/>
-              <a:t> </a:t>
-            </a:r>
-            <a:r>
-              <a:rPr/>
-              <a:t>Bar</a:t>
+              <a:t>Second</a:t>
+            </a:r>
+            <a:r>
+              <a:rPr/>
+              <a:t> </a:t>
+            </a:r>
+            <a:r>
+              <a:rPr/>
+              <a:t>best,</a:t>
+            </a:r>
+            <a:r>
+              <a:rPr/>
+              <a:t> </a:t>
+            </a:r>
+            <a:r>
+              <a:rPr/>
+              <a:t>stacked</a:t>
+            </a:r>
+            <a:r>
+              <a:rPr/>
+              <a:t> </a:t>
+            </a:r>
+            <a:r>
+              <a:rPr/>
+              <a:t>bar</a:t>
             </a:r>
             <a:r>
               <a:rPr/>
@@ -11256,29 +12151,13 @@
             <a:r>
               <a:rPr/>
               <a:t>chart</a:t>
-            </a:r>
-            <a:r>
-              <a:rPr/>
-              <a:t> </a:t>
-            </a:r>
-            <a:r>
-              <a:rPr/>
-              <a:t>is</a:t>
-            </a:r>
-            <a:r>
-              <a:rPr/>
-              <a:t> </a:t>
-            </a:r>
-            <a:r>
-              <a:rPr/>
-              <a:t>best!</a:t>
             </a:r>
           </a:p>
         </p:txBody>
       </p:sp>
       <p:pic>
         <p:nvPicPr>
-          <p:cNvPr descr="../images\r\bar-chart-3.png" id="0" name="Picture 1"/>
+          <p:cNvPr descr="../images/r/bar-chart-4.png" id="0" name="Picture 1"/>
           <p:cNvPicPr>
             <a:picLocks noGrp="1" noChangeAspect="1"/>
           </p:cNvPicPr>
@@ -11331,7 +12210,15 @@
             </a:pPr>
             <a:r>
               <a:rPr/>
-              <a:t>Bar</a:t>
+              <a:t>Stacked</a:t>
+            </a:r>
+            <a:r>
+              <a:rPr/>
+              <a:t> </a:t>
+            </a:r>
+            <a:r>
+              <a:rPr/>
+              <a:t>bar</a:t>
             </a:r>
             <a:r>
               <a:rPr/>
@@ -11347,39 +12234,15 @@
             </a:r>
             <a:r>
               <a:rPr/>
-              <a:t>projecting</a:t>
-            </a:r>
-            <a:r>
-              <a:rPr/>
-              <a:t> </a:t>
-            </a:r>
-            <a:r>
-              <a:rPr/>
-              <a:t>one</a:t>
-            </a:r>
-            <a:r>
-              <a:rPr/>
-              <a:t> </a:t>
-            </a:r>
-            <a:r>
-              <a:rPr/>
-              <a:t>bar</a:t>
-            </a:r>
-            <a:r>
-              <a:rPr/>
-              <a:t> </a:t>
-            </a:r>
-            <a:r>
-              <a:rPr/>
-              <a:t>to</a:t>
-            </a:r>
-            <a:r>
-              <a:rPr/>
-              <a:t> </a:t>
-            </a:r>
-            <a:r>
-              <a:rPr/>
-              <a:t>another</a:t>
+              <a:t>comparing</a:t>
+            </a:r>
+            <a:r>
+              <a:rPr/>
+              <a:t> </a:t>
+            </a:r>
+            <a:r>
+              <a:rPr/>
+              <a:t>lengths</a:t>
             </a:r>
           </a:p>
         </p:txBody>
@@ -11389,7 +12252,7 @@
 </p:sld>
 </file>
 
-<file path=ppt/slides/slide7.xml><?xml version="1.0" encoding="utf-8"?>
+<file path=ppt/slides/slide8.xml><?xml version="1.0" encoding="utf-8"?>
 <p:sld xmlns:a="http://schemas.openxmlformats.org/drawingml/2006/main" xmlns:r="http://schemas.openxmlformats.org/officeDocument/2006/relationships" xmlns:p="http://schemas.openxmlformats.org/presentationml/2006/main">
   <p:cSld>
     <p:spTree>
@@ -11434,31 +12297,15 @@
             </a:r>
             <a:r>
               <a:rPr/>
-              <a:t>Second</a:t>
-            </a:r>
-            <a:r>
-              <a:rPr/>
-              <a:t> </a:t>
-            </a:r>
-            <a:r>
-              <a:rPr/>
-              <a:t>best,</a:t>
-            </a:r>
-            <a:r>
-              <a:rPr/>
-              <a:t> </a:t>
-            </a:r>
-            <a:r>
-              <a:rPr/>
-              <a:t>stacked</a:t>
-            </a:r>
-            <a:r>
-              <a:rPr/>
-              <a:t> </a:t>
-            </a:r>
-            <a:r>
-              <a:rPr/>
-              <a:t>bar</a:t>
+              <a:t>Worst,</a:t>
+            </a:r>
+            <a:r>
+              <a:rPr/>
+              <a:t> </a:t>
+            </a:r>
+            <a:r>
+              <a:rPr/>
+              <a:t>pie</a:t>
             </a:r>
             <a:r>
               <a:rPr/>
@@ -11473,7 +12320,7 @@
       </p:sp>
       <p:pic>
         <p:nvPicPr>
-          <p:cNvPr descr="../images\r\bar-chart-4.png" id="0" name="Picture 1"/>
+          <p:cNvPr descr="../images/r/pie-chart-2.png" id="0" name="Picture 1"/>
           <p:cNvPicPr>
             <a:picLocks noGrp="1" noChangeAspect="1"/>
           </p:cNvPicPr>
@@ -11526,169 +12373,6 @@
             </a:pPr>
             <a:r>
               <a:rPr/>
-              <a:t>Stacked</a:t>
-            </a:r>
-            <a:r>
-              <a:rPr/>
-              <a:t> </a:t>
-            </a:r>
-            <a:r>
-              <a:rPr/>
-              <a:t>bar</a:t>
-            </a:r>
-            <a:r>
-              <a:rPr/>
-              <a:t> </a:t>
-            </a:r>
-            <a:r>
-              <a:rPr/>
-              <a:t>chart,</a:t>
-            </a:r>
-            <a:r>
-              <a:rPr/>
-              <a:t> </a:t>
-            </a:r>
-            <a:r>
-              <a:rPr/>
-              <a:t>comparing</a:t>
-            </a:r>
-            <a:r>
-              <a:rPr/>
-              <a:t> </a:t>
-            </a:r>
-            <a:r>
-              <a:rPr/>
-              <a:t>lengths</a:t>
-            </a:r>
-          </a:p>
-        </p:txBody>
-      </p:sp>
-    </p:spTree>
-  </p:cSld>
-</p:sld>
-</file>
-
-<file path=ppt/slides/slide8.xml><?xml version="1.0" encoding="utf-8"?>
-<p:sld xmlns:a="http://schemas.openxmlformats.org/drawingml/2006/main" xmlns:r="http://schemas.openxmlformats.org/officeDocument/2006/relationships" xmlns:p="http://schemas.openxmlformats.org/presentationml/2006/main">
-  <p:cSld>
-    <p:spTree>
-      <p:nvGrpSpPr>
-        <p:cNvPr id="1" name=""/>
-        <p:cNvGrpSpPr/>
-        <p:nvPr/>
-      </p:nvGrpSpPr>
-      <p:grpSpPr>
-        <a:xfrm>
-          <a:off x="0" y="0"/>
-          <a:ext cx="0" cy="0"/>
-          <a:chOff x="0" y="0"/>
-          <a:chExt cx="0" cy="0"/>
-        </a:xfrm>
-      </p:grpSpPr>
-      <p:sp>
-        <p:nvSpPr>
-          <p:cNvPr id="2" name="Title 1"/>
-          <p:cNvSpPr>
-            <a:spLocks noGrp="1"/>
-          </p:cNvSpPr>
-          <p:nvPr>
-            <p:ph type="title"/>
-          </p:nvPr>
-        </p:nvSpPr>
-        <p:spPr/>
-        <p:txBody>
-          <a:bodyPr/>
-          <a:lstStyle/>
-          <a:p>
-            <a:pPr lvl="0" marL="0" indent="0">
-              <a:buNone/>
-            </a:pPr>
-            <a:r>
-              <a:rPr/>
-              <a:t>Evaluation,</a:t>
-            </a:r>
-            <a:r>
-              <a:rPr/>
-              <a:t> </a:t>
-            </a:r>
-            <a:r>
-              <a:rPr/>
-              <a:t>Worst,</a:t>
-            </a:r>
-            <a:r>
-              <a:rPr/>
-              <a:t> </a:t>
-            </a:r>
-            <a:r>
-              <a:rPr/>
-              <a:t>pie</a:t>
-            </a:r>
-            <a:r>
-              <a:rPr/>
-              <a:t> </a:t>
-            </a:r>
-            <a:r>
-              <a:rPr/>
-              <a:t>chart</a:t>
-            </a:r>
-          </a:p>
-        </p:txBody>
-      </p:sp>
-      <p:pic>
-        <p:nvPicPr>
-          <p:cNvPr descr="../images\r\pie-chart-2.png" id="0" name="Picture 1"/>
-          <p:cNvPicPr>
-            <a:picLocks noGrp="1" noChangeAspect="1"/>
-          </p:cNvPicPr>
-          <p:nvPr/>
-        </p:nvPicPr>
-        <p:blipFill>
-          <a:blip r:embed="rId3"/>
-          <a:stretch>
-            <a:fillRect/>
-          </a:stretch>
-        </p:blipFill>
-        <p:spPr bwMode="auto">
-          <a:xfrm>
-            <a:off x="2565400" y="1600200"/>
-            <a:ext cx="4013200" cy="4013200"/>
-          </a:xfrm>
-          <a:prstGeom prst="rect">
-            <a:avLst/>
-          </a:prstGeom>
-          <a:noFill/>
-          <a:ln w="9525">
-            <a:noFill/>
-            <a:headEnd/>
-            <a:tailEnd/>
-          </a:ln>
-        </p:spPr>
-      </p:pic>
-      <p:sp>
-        <p:nvSpPr>
-          <p:cNvPr id="1" name="TextBox 3"/>
-          <p:cNvSpPr txBox="1"/>
-          <p:nvPr/>
-        </p:nvSpPr>
-        <p:spPr>
-          <a:xfrm>
-            <a:off x="457200" y="5613400"/>
-            <a:ext cx="8229600" cy="508000"/>
-          </a:xfrm>
-          <a:prstGeom prst="rect">
-            <a:avLst/>
-          </a:prstGeom>
-          <a:noFill/>
-        </p:spPr>
-        <p:txBody>
-          <a:bodyPr/>
-          <a:lstStyle/>
-          <a:p>
-            <a:pPr lvl="0" marL="0" indent="0" algn="ctr">
-              <a:buNone/>
-            </a:pPr>
-            <a:r>
-              <a:rPr/>
               <a:t>Pie</a:t>
             </a:r>
             <a:r>
@@ -11855,7 +12539,7 @@
       </p:sp>
       <p:pic>
         <p:nvPicPr>
-          <p:cNvPr descr="../images\r\pie-chart-3.png" id="0" name="Picture 1"/>
+          <p:cNvPr descr="../images/r/pie-chart-3.png" id="0" name="Picture 1"/>
           <p:cNvPicPr>
             <a:picLocks noGrp="1" noChangeAspect="1"/>
           </p:cNvPicPr>

--- a/data-viz-01/component/tutorial-evaluation.pptx
+++ b/data-viz-01/component/tutorial-evaluation.pptx
@@ -1257,7 +1257,7 @@
             </a:r>
             <a:r>
               <a:rPr/>
-              <a:t>Th</a:t>
+              <a:t>The</a:t>
             </a:r>
             <a:r>
               <a:rPr/>
@@ -4766,6 +4766,86 @@
             <a:r>
               <a:rPr/>
               <a:t>a</a:t>
+            </a:r>
+            <a:r>
+              <a:rPr/>
+              <a:t> </a:t>
+            </a:r>
+            <a:r>
+              <a:rPr/>
+              <a:t>simple</a:t>
+            </a:r>
+            <a:r>
+              <a:rPr/>
+              <a:t> </a:t>
+            </a:r>
+            <a:r>
+              <a:rPr/>
+              <a:t>horizontal</a:t>
+            </a:r>
+            <a:r>
+              <a:rPr/>
+              <a:t> </a:t>
+            </a:r>
+            <a:r>
+              <a:rPr/>
+              <a:t>projection.</a:t>
+            </a:r>
+            <a:r>
+              <a:rPr/>
+              <a:t> </a:t>
+            </a:r>
+            <a:r>
+              <a:rPr/>
+              <a:t>You</a:t>
+            </a:r>
+            <a:r>
+              <a:rPr/>
+              <a:t> </a:t>
+            </a:r>
+            <a:r>
+              <a:rPr/>
+              <a:t>can</a:t>
+            </a:r>
+            <a:r>
+              <a:rPr/>
+              <a:t> </a:t>
+            </a:r>
+            <a:r>
+              <a:rPr/>
+              <a:t>do</a:t>
+            </a:r>
+            <a:r>
+              <a:rPr/>
+              <a:t> </a:t>
+            </a:r>
+            <a:r>
+              <a:rPr/>
+              <a:t>this</a:t>
+            </a:r>
+            <a:r>
+              <a:rPr/>
+              <a:t> </a:t>
+            </a:r>
+            <a:r>
+              <a:rPr/>
+              <a:t>quickly</a:t>
+            </a:r>
+            <a:r>
+              <a:rPr/>
+              <a:t> </a:t>
+            </a:r>
+            <a:r>
+              <a:rPr/>
+              <a:t>and</a:t>
+            </a:r>
+            <a:r>
+              <a:rPr/>
+              <a:t> </a:t>
+            </a:r>
+            <a:r>
+              <a:rPr/>
+              <a:t>accurately.</a:t>
             </a:r>
           </a:p>
         </p:txBody>
@@ -10927,15 +11007,7 @@
             </a:r>
             <a:r>
               <a:rPr/>
-              <a:t>Improvements</a:t>
-            </a:r>
-            <a:r>
-              <a:rPr/>
-              <a:t> </a:t>
-            </a:r>
-            <a:r>
-              <a:rPr/>
-              <a:t>to</a:t>
+              <a:t>Maybe</a:t>
             </a:r>
             <a:r>
               <a:rPr/>
@@ -10976,6 +11048,30 @@
             <a:r>
               <a:rPr/>
               <a:t>chart</a:t>
+            </a:r>
+            <a:r>
+              <a:rPr/>
+              <a:t> </a:t>
+            </a:r>
+            <a:r>
+              <a:rPr/>
+              <a:t>isn’t</a:t>
+            </a:r>
+            <a:r>
+              <a:rPr/>
+              <a:t> </a:t>
+            </a:r>
+            <a:r>
+              <a:rPr/>
+              <a:t>so</a:t>
+            </a:r>
+            <a:r>
+              <a:rPr/>
+              <a:t> </a:t>
+            </a:r>
+            <a:r>
+              <a:rPr/>
+              <a:t>hopeless</a:t>
             </a:r>
           </a:p>
         </p:txBody>
